--- a/先トイ_企画書.pptx
+++ b/先トイ_企画書.pptx
@@ -260,7 +260,7 @@
           <a:p>
             <a:fld id="{7815D6CA-125E-4985-8E7B-9FD3384BAA3C}" type="datetimeFigureOut">
               <a:rPr kumimoji="1" lang="ja-JP" altLang="en-US" smtClean="0"/>
-              <a:t>2020/12/21</a:t>
+              <a:t>2020/12/22</a:t>
             </a:fld>
             <a:endParaRPr kumimoji="1" lang="ja-JP" altLang="en-US"/>
           </a:p>
@@ -462,7 +462,7 @@
           <a:p>
             <a:fld id="{7815D6CA-125E-4985-8E7B-9FD3384BAA3C}" type="datetimeFigureOut">
               <a:rPr kumimoji="1" lang="ja-JP" altLang="en-US" smtClean="0"/>
-              <a:t>2020/12/21</a:t>
+              <a:t>2020/12/22</a:t>
             </a:fld>
             <a:endParaRPr kumimoji="1" lang="ja-JP" altLang="en-US"/>
           </a:p>
@@ -674,7 +674,7 @@
           <a:p>
             <a:fld id="{7815D6CA-125E-4985-8E7B-9FD3384BAA3C}" type="datetimeFigureOut">
               <a:rPr kumimoji="1" lang="ja-JP" altLang="en-US" smtClean="0"/>
-              <a:t>2020/12/21</a:t>
+              <a:t>2020/12/22</a:t>
             </a:fld>
             <a:endParaRPr kumimoji="1" lang="ja-JP" altLang="en-US"/>
           </a:p>
@@ -876,7 +876,7 @@
           <a:p>
             <a:fld id="{7815D6CA-125E-4985-8E7B-9FD3384BAA3C}" type="datetimeFigureOut">
               <a:rPr kumimoji="1" lang="ja-JP" altLang="en-US" smtClean="0"/>
-              <a:t>2020/12/21</a:t>
+              <a:t>2020/12/22</a:t>
             </a:fld>
             <a:endParaRPr kumimoji="1" lang="ja-JP" altLang="en-US"/>
           </a:p>
@@ -1122,7 +1122,7 @@
           <a:p>
             <a:fld id="{7815D6CA-125E-4985-8E7B-9FD3384BAA3C}" type="datetimeFigureOut">
               <a:rPr kumimoji="1" lang="ja-JP" altLang="en-US" smtClean="0"/>
-              <a:t>2020/12/21</a:t>
+              <a:t>2020/12/22</a:t>
             </a:fld>
             <a:endParaRPr kumimoji="1" lang="ja-JP" altLang="en-US"/>
           </a:p>
@@ -1418,7 +1418,7 @@
           <a:p>
             <a:fld id="{7815D6CA-125E-4985-8E7B-9FD3384BAA3C}" type="datetimeFigureOut">
               <a:rPr kumimoji="1" lang="ja-JP" altLang="en-US" smtClean="0"/>
-              <a:t>2020/12/21</a:t>
+              <a:t>2020/12/22</a:t>
             </a:fld>
             <a:endParaRPr kumimoji="1" lang="ja-JP" altLang="en-US"/>
           </a:p>
@@ -1849,7 +1849,7 @@
           <a:p>
             <a:fld id="{7815D6CA-125E-4985-8E7B-9FD3384BAA3C}" type="datetimeFigureOut">
               <a:rPr kumimoji="1" lang="ja-JP" altLang="en-US" smtClean="0"/>
-              <a:t>2020/12/21</a:t>
+              <a:t>2020/12/22</a:t>
             </a:fld>
             <a:endParaRPr kumimoji="1" lang="ja-JP" altLang="en-US"/>
           </a:p>
@@ -1967,7 +1967,7 @@
           <a:p>
             <a:fld id="{7815D6CA-125E-4985-8E7B-9FD3384BAA3C}" type="datetimeFigureOut">
               <a:rPr kumimoji="1" lang="ja-JP" altLang="en-US" smtClean="0"/>
-              <a:t>2020/12/21</a:t>
+              <a:t>2020/12/22</a:t>
             </a:fld>
             <a:endParaRPr kumimoji="1" lang="ja-JP" altLang="en-US"/>
           </a:p>
@@ -2062,7 +2062,7 @@
           <a:p>
             <a:fld id="{7815D6CA-125E-4985-8E7B-9FD3384BAA3C}" type="datetimeFigureOut">
               <a:rPr kumimoji="1" lang="ja-JP" altLang="en-US" smtClean="0"/>
-              <a:t>2020/12/21</a:t>
+              <a:t>2020/12/22</a:t>
             </a:fld>
             <a:endParaRPr kumimoji="1" lang="ja-JP" altLang="en-US"/>
           </a:p>
@@ -2371,7 +2371,7 @@
           <a:p>
             <a:fld id="{7815D6CA-125E-4985-8E7B-9FD3384BAA3C}" type="datetimeFigureOut">
               <a:rPr kumimoji="1" lang="ja-JP" altLang="en-US" smtClean="0"/>
-              <a:t>2020/12/21</a:t>
+              <a:t>2020/12/22</a:t>
             </a:fld>
             <a:endParaRPr kumimoji="1" lang="ja-JP" altLang="en-US"/>
           </a:p>
@@ -2624,7 +2624,7 @@
           <a:p>
             <a:fld id="{7815D6CA-125E-4985-8E7B-9FD3384BAA3C}" type="datetimeFigureOut">
               <a:rPr kumimoji="1" lang="ja-JP" altLang="en-US" smtClean="0"/>
-              <a:t>2020/12/21</a:t>
+              <a:t>2020/12/22</a:t>
             </a:fld>
             <a:endParaRPr kumimoji="1" lang="ja-JP" altLang="en-US"/>
           </a:p>
@@ -2869,7 +2869,7 @@
           <a:p>
             <a:fld id="{7815D6CA-125E-4985-8E7B-9FD3384BAA3C}" type="datetimeFigureOut">
               <a:rPr kumimoji="1" lang="ja-JP" altLang="en-US" smtClean="0"/>
-              <a:t>2020/12/21</a:t>
+              <a:t>2020/12/22</a:t>
             </a:fld>
             <a:endParaRPr kumimoji="1" lang="ja-JP" altLang="en-US"/>
           </a:p>
@@ -8435,7 +8435,7 @@
                 <a:latin typeface="05棘ゴシックやや太" panose="02000600000000000000" pitchFamily="50" charset="-128"/>
                 <a:ea typeface="05棘ゴシックやや太" panose="02000600000000000000" pitchFamily="50" charset="-128"/>
               </a:rPr>
-              <a:t>DInput</a:t>
+              <a:t>XInput</a:t>
             </a:r>
             <a:r>
               <a:rPr kumimoji="1" lang="en-US" altLang="ja-JP" sz="2800" dirty="0" smtClean="0">
@@ -8491,14 +8491,21 @@
                 <a:latin typeface="05棘ゴシックやや太" panose="02000600000000000000" pitchFamily="50" charset="-128"/>
                 <a:ea typeface="05棘ゴシックやや太" panose="02000600000000000000" pitchFamily="50" charset="-128"/>
               </a:rPr>
-              <a:t>ジャンプ：</a:t>
-            </a:r>
-            <a:r>
-              <a:rPr lang="en-US" altLang="ja-JP" sz="2000" dirty="0" smtClean="0">
+              <a:t>ジャンプ</a:t>
+            </a:r>
+            <a:r>
+              <a:rPr lang="ja-JP" altLang="en-US" sz="2000" dirty="0" smtClean="0">
                 <a:latin typeface="05棘ゴシックやや太" panose="02000600000000000000" pitchFamily="50" charset="-128"/>
                 <a:ea typeface="05棘ゴシックやや太" panose="02000600000000000000" pitchFamily="50" charset="-128"/>
               </a:rPr>
-              <a:t>A</a:t>
+              <a:t>：</a:t>
+            </a:r>
+            <a:r>
+              <a:rPr lang="en-US" altLang="ja-JP" sz="2000" dirty="0">
+                <a:latin typeface="05棘ゴシックやや太" panose="02000600000000000000" pitchFamily="50" charset="-128"/>
+                <a:ea typeface="05棘ゴシックやや太" panose="02000600000000000000" pitchFamily="50" charset="-128"/>
+              </a:rPr>
+              <a:t>B</a:t>
             </a:r>
             <a:r>
               <a:rPr lang="ja-JP" altLang="en-US" sz="2000" dirty="0" smtClean="0">
@@ -8518,14 +8525,21 @@
                 <a:latin typeface="05棘ゴシックやや太" panose="02000600000000000000" pitchFamily="50" charset="-128"/>
                 <a:ea typeface="05棘ゴシックやや太" panose="02000600000000000000" pitchFamily="50" charset="-128"/>
               </a:rPr>
-              <a:t>パンチ：</a:t>
+              <a:t>パンチ</a:t>
+            </a:r>
+            <a:r>
+              <a:rPr lang="ja-JP" altLang="en-US" sz="2000" dirty="0" smtClean="0">
+                <a:latin typeface="05棘ゴシックやや太" panose="02000600000000000000" pitchFamily="50" charset="-128"/>
+                <a:ea typeface="05棘ゴシックやや太" panose="02000600000000000000" pitchFamily="50" charset="-128"/>
+              </a:rPr>
+              <a:t>：</a:t>
             </a:r>
             <a:r>
               <a:rPr lang="en-US" altLang="ja-JP" sz="2000" dirty="0" smtClean="0">
                 <a:latin typeface="05棘ゴシックやや太" panose="02000600000000000000" pitchFamily="50" charset="-128"/>
                 <a:ea typeface="05棘ゴシックやや太" panose="02000600000000000000" pitchFamily="50" charset="-128"/>
               </a:rPr>
-              <a:t>B</a:t>
+              <a:t>L or R</a:t>
             </a:r>
             <a:r>
               <a:rPr lang="ja-JP" altLang="en-US" sz="2000" dirty="0" smtClean="0">
@@ -8545,14 +8559,21 @@
                 <a:latin typeface="05棘ゴシックやや太" panose="02000600000000000000" pitchFamily="50" charset="-128"/>
                 <a:ea typeface="05棘ゴシックやや太" panose="02000600000000000000" pitchFamily="50" charset="-128"/>
               </a:rPr>
-              <a:t>ダッシュ：</a:t>
+              <a:t>ダッシュ</a:t>
+            </a:r>
+            <a:r>
+              <a:rPr lang="ja-JP" altLang="en-US" sz="2000" dirty="0" smtClean="0">
+                <a:latin typeface="05棘ゴシックやや太" panose="02000600000000000000" pitchFamily="50" charset="-128"/>
+                <a:ea typeface="05棘ゴシックやや太" panose="02000600000000000000" pitchFamily="50" charset="-128"/>
+              </a:rPr>
+              <a:t>：</a:t>
             </a:r>
             <a:r>
               <a:rPr lang="en-US" altLang="ja-JP" sz="2000" dirty="0" smtClean="0">
                 <a:latin typeface="05棘ゴシックやや太" panose="02000600000000000000" pitchFamily="50" charset="-128"/>
                 <a:ea typeface="05棘ゴシックやや太" panose="02000600000000000000" pitchFamily="50" charset="-128"/>
               </a:rPr>
-              <a:t>X</a:t>
+              <a:t>A</a:t>
             </a:r>
             <a:r>
               <a:rPr lang="ja-JP" altLang="en-US" sz="2000" dirty="0" smtClean="0">
@@ -8565,6 +8586,46 @@
               <a:latin typeface="05棘ゴシックやや太" panose="02000600000000000000" pitchFamily="50" charset="-128"/>
               <a:ea typeface="05棘ゴシックやや太" panose="02000600000000000000" pitchFamily="50" charset="-128"/>
             </a:endParaRPr>
+          </a:p>
+        </p:txBody>
+      </p:sp>
+      <p:sp>
+        <p:nvSpPr>
+          <p:cNvPr id="7" name="正方形/長方形 6"/>
+          <p:cNvSpPr/>
+          <p:nvPr/>
+        </p:nvSpPr>
+        <p:spPr>
+          <a:xfrm>
+            <a:off x="1789761" y="4887884"/>
+            <a:ext cx="105541" cy="973053"/>
+          </a:xfrm>
+          <a:prstGeom prst="rect">
+            <a:avLst/>
+          </a:prstGeom>
+        </p:spPr>
+        <p:style>
+          <a:lnRef idx="2">
+            <a:schemeClr val="accent1">
+              <a:shade val="50000"/>
+            </a:schemeClr>
+          </a:lnRef>
+          <a:fillRef idx="1">
+            <a:schemeClr val="accent1"/>
+          </a:fillRef>
+          <a:effectRef idx="0">
+            <a:schemeClr val="accent1"/>
+          </a:effectRef>
+          <a:fontRef idx="minor">
+            <a:schemeClr val="lt1"/>
+          </a:fontRef>
+        </p:style>
+        <p:txBody>
+          <a:bodyPr rtlCol="0" anchor="ctr"/>
+          <a:lstStyle/>
+          <a:p>
+            <a:pPr algn="ctr"/>
+            <a:endParaRPr kumimoji="1" lang="ja-JP" altLang="en-US"/>
           </a:p>
         </p:txBody>
       </p:sp>
